--- a/Documentation/Iteration 1/process.pptx
+++ b/Documentation/Iteration 1/process.pptx
@@ -195,7 +195,7 @@
           <a:p>
             <a:fld id="{2E131702-860D-BB4F-9563-9704DDD71D06}" type="datetimeFigureOut">
               <a:rPr lang="en-US" smtClean="0"/>
-              <a:t>9/23/15</a:t>
+              <a:t>10/3/15</a:t>
             </a:fld>
             <a:endParaRPr lang="en-US"/>
           </a:p>
@@ -361,7 +361,7 @@
           <a:p>
             <a:fld id="{61CE1968-10E7-4842-9FB6-20893594FCD0}" type="datetimeFigureOut">
               <a:rPr lang="en-US" smtClean="0"/>
-              <a:t>9/23/15</a:t>
+              <a:t>10/3/15</a:t>
             </a:fld>
             <a:endParaRPr lang="en-US"/>
           </a:p>
@@ -3435,14 +3435,14 @@
           <p:nvPr>
             <p:extLst>
               <p:ext uri="{D42A27DB-BD31-4B8C-83A1-F6EECF244321}">
-                <p14:modId xmlns:p14="http://schemas.microsoft.com/office/powerpoint/2010/main" val="4032115434"/>
+                <p14:modId xmlns:p14="http://schemas.microsoft.com/office/powerpoint/2010/main" val="3656088178"/>
               </p:ext>
             </p:extLst>
           </p:nvPr>
         </p:nvGraphicFramePr>
         <p:xfrm>
           <a:off x="6397330" y="392184"/>
-          <a:ext cx="2561368" cy="6593840"/>
+          <a:ext cx="2561368" cy="6258560"/>
         </p:xfrm>
         <a:graphic>
           <a:graphicData uri="http://schemas.openxmlformats.org/drawingml/2006/table">
@@ -3606,7 +3606,11 @@
                     <a:p>
                       <a:r>
                         <a:rPr lang="en-US" sz="1100" dirty="0" smtClean="0"/>
-                        <a:t>Divide into blocks for iterations</a:t>
+                        <a:t>4 week time</a:t>
+                      </a:r>
+                      <a:r>
+                        <a:rPr lang="en-US" sz="1100" baseline="0" dirty="0" smtClean="0"/>
+                        <a:t> box</a:t>
                       </a:r>
                       <a:endParaRPr lang="en-US" sz="1100" dirty="0"/>
                     </a:p>
@@ -3656,9 +3660,16 @@
                     <a:p>
                       <a:r>
                         <a:rPr lang="en-US" sz="1100" dirty="0" smtClean="0"/>
-                        <a:t>List goals for iteration 1</a:t>
+                        <a:t>List </a:t>
                       </a:r>
-                      <a:endParaRPr lang="en-US" sz="1100" dirty="0" smtClean="0"/>
+                      <a:r>
+                        <a:rPr lang="en-US" sz="1100" dirty="0" smtClean="0"/>
+                        <a:t>tasks </a:t>
+                      </a:r>
+                      <a:r>
+                        <a:rPr lang="en-US" sz="1100" dirty="0" smtClean="0"/>
+                        <a:t>for iteration 1</a:t>
+                      </a:r>
                     </a:p>
                   </a:txBody>
                   <a:tcPr>
@@ -3736,7 +3747,7 @@
                     <a:p>
                       <a:r>
                         <a:rPr lang="en-US" sz="1100" dirty="0" smtClean="0"/>
-                        <a:t>Code</a:t>
+                        <a:t>Construction</a:t>
                       </a:r>
                       <a:endParaRPr lang="en-US" sz="1100" dirty="0"/>
                     </a:p>
@@ -3762,7 +3773,6 @@
                         <a:rPr lang="en-US" sz="1100" dirty="0" smtClean="0"/>
                         <a:t>Ad hoc</a:t>
                       </a:r>
-                      <a:endParaRPr lang="en-US" sz="1100" dirty="0" smtClean="0"/>
                     </a:p>
                   </a:txBody>
                   <a:tcPr>
@@ -3810,7 +3820,7 @@
                     <a:p>
                       <a:r>
                         <a:rPr lang="en-US" sz="1100" dirty="0" smtClean="0"/>
-                        <a:t>Don’t care for this iteration</a:t>
+                        <a:t>Visually test</a:t>
                       </a:r>
                       <a:endParaRPr lang="en-US" sz="1100" dirty="0" smtClean="0"/>
                     </a:p>
@@ -3866,7 +3876,6 @@
                         <a:rPr lang="en-US" sz="1100" dirty="0" smtClean="0"/>
                         <a:t>Plan next iteration</a:t>
                       </a:r>
-                      <a:endParaRPr lang="en-US" sz="1100" dirty="0" smtClean="0"/>
                     </a:p>
                   </a:txBody>
                   <a:tcPr>
@@ -4567,13 +4576,8 @@
             </a:r>
             <a:r>
               <a:rPr lang="en-US" sz="1100" dirty="0" smtClean="0"/>
-              <a:t>	</a:t>
-            </a:r>
-            <a:r>
-              <a:rPr lang="en-US" sz="1100" dirty="0" smtClean="0"/>
-              <a:t>Requirements Analysis</a:t>
-            </a:r>
-            <a:endParaRPr lang="en-US" sz="1100" dirty="0" smtClean="0"/>
+              <a:t>	Requirements Analysis</a:t>
+            </a:r>
           </a:p>
           <a:p>
             <a:pPr>
@@ -4610,7 +4614,6 @@
               <a:rPr lang="en-US" sz="1100" dirty="0" smtClean="0"/>
               <a:t>		Design</a:t>
             </a:r>
-            <a:endParaRPr lang="en-US" sz="1100" dirty="0" smtClean="0"/>
           </a:p>
           <a:p>
             <a:pPr>
@@ -4669,13 +4672,8 @@
             </a:r>
             <a:r>
               <a:rPr lang="en-US" sz="1100" dirty="0" smtClean="0"/>
-              <a:t>	</a:t>
-            </a:r>
-            <a:r>
-              <a:rPr lang="en-US" sz="1100" dirty="0" smtClean="0"/>
-              <a:t>Code</a:t>
-            </a:r>
-            <a:endParaRPr lang="en-US" sz="1100" dirty="0" smtClean="0"/>
+              <a:t>	Code</a:t>
+            </a:r>
           </a:p>
           <a:p>
             <a:pPr>
@@ -4730,13 +4728,8 @@
             </a:r>
             <a:r>
               <a:rPr lang="en-US" sz="1100" dirty="0" smtClean="0"/>
-              <a:t>	</a:t>
-            </a:r>
-            <a:r>
-              <a:rPr lang="en-US" sz="1100" dirty="0" smtClean="0"/>
-              <a:t>N/A</a:t>
-            </a:r>
-            <a:endParaRPr lang="en-US" sz="1100" dirty="0" smtClean="0"/>
+              <a:t>	N/A</a:t>
+            </a:r>
           </a:p>
           <a:p>
             <a:pPr>
@@ -4844,13 +4837,8 @@
             </a:r>
             <a:r>
               <a:rPr lang="en-US" sz="1100" dirty="0" smtClean="0"/>
-              <a:t>	</a:t>
-            </a:r>
-            <a:r>
-              <a:rPr lang="en-US" sz="1100" dirty="0" smtClean="0"/>
-              <a:t>Iteration 1</a:t>
-            </a:r>
-            <a:endParaRPr lang="en-US" sz="1100" dirty="0" smtClean="0"/>
+              <a:t>	Iteration 1</a:t>
+            </a:r>
           </a:p>
           <a:p>
             <a:pPr>
@@ -4869,13 +4857,8 @@
             </a:r>
             <a:r>
               <a:rPr lang="en-US" sz="1100" dirty="0" smtClean="0"/>
-              <a:t>	</a:t>
-            </a:r>
-            <a:r>
-              <a:rPr lang="en-US" sz="1100" dirty="0" smtClean="0"/>
-              <a:t>Part 1 of Project</a:t>
-            </a:r>
-            <a:endParaRPr lang="en-US" sz="1100" dirty="0" smtClean="0"/>
+              <a:t>	Part 1 of Project</a:t>
+            </a:r>
           </a:p>
           <a:p>
             <a:pPr>
@@ -5087,14 +5070,14 @@
           <p:nvPr>
             <p:extLst>
               <p:ext uri="{D42A27DB-BD31-4B8C-83A1-F6EECF244321}">
-                <p14:modId xmlns:p14="http://schemas.microsoft.com/office/powerpoint/2010/main" val="2721048260"/>
+                <p14:modId xmlns:p14="http://schemas.microsoft.com/office/powerpoint/2010/main" val="3843369458"/>
               </p:ext>
             </p:extLst>
           </p:nvPr>
         </p:nvGraphicFramePr>
         <p:xfrm>
           <a:off x="48848" y="380402"/>
-          <a:ext cx="1967838" cy="2176536"/>
+          <a:ext cx="1967838" cy="2440529"/>
         </p:xfrm>
         <a:graphic>
           <a:graphicData uri="http://schemas.openxmlformats.org/drawingml/2006/table">
@@ -5256,11 +5239,11 @@
                     <a:p>
                       <a:r>
                         <a:rPr lang="en-US" sz="1100" dirty="0" smtClean="0"/>
-                        <a:t>4</a:t>
+                        <a:t>100</a:t>
                       </a:r>
                       <a:r>
                         <a:rPr lang="en-US" sz="1100" baseline="0" dirty="0" smtClean="0"/>
-                        <a:t> weeks</a:t>
+                        <a:t>% of iteration goals complete</a:t>
                       </a:r>
                       <a:endParaRPr lang="en-US" sz="1100" dirty="0"/>
                     </a:p>
@@ -5368,39 +5351,9 @@
                       </a:br>
                       <a:r>
                         <a:rPr lang="en-US" sz="1100" dirty="0" smtClean="0"/>
-                        <a:t>Don</a:t>
+                        <a:t>100% visual test success</a:t>
                       </a:r>
-                      <a:r>
-                        <a:rPr lang="fr-FR" sz="1100" dirty="0" smtClean="0"/>
-                        <a:t>’</a:t>
-                      </a:r>
-                      <a:r>
-                        <a:rPr lang="en-US" sz="1100" dirty="0" smtClean="0"/>
-                        <a:t>t care</a:t>
-                      </a:r>
-                    </a:p>
-                    <a:p>
-                      <a:pPr marL="0" marR="0" indent="0" algn="l" defTabSz="457200" rtl="0" eaLnBrk="1" fontAlgn="auto" latinLnBrk="0" hangingPunct="1">
-                        <a:lnSpc>
-                          <a:spcPct val="100000"/>
-                        </a:lnSpc>
-                        <a:spcBef>
-                          <a:spcPts val="0"/>
-                        </a:spcBef>
-                        <a:spcAft>
-                          <a:spcPts val="0"/>
-                        </a:spcAft>
-                        <a:buClrTx/>
-                        <a:buSzTx/>
-                        <a:buFontTx/>
-                        <a:buNone/>
-                        <a:tabLst/>
-                        <a:defRPr/>
-                      </a:pPr>
-                      <a:r>
-                        <a:rPr lang="en-US" sz="1100" dirty="0" smtClean="0"/>
-                        <a:t>Don’t care</a:t>
-                      </a:r>
+                      <a:endParaRPr lang="en-US" sz="1100" dirty="0" smtClean="0"/>
                     </a:p>
                     <a:p>
                       <a:pPr marL="0" marR="0" indent="0" algn="l" defTabSz="457200" rtl="0" eaLnBrk="1" fontAlgn="auto" latinLnBrk="0" hangingPunct="1">
@@ -5629,7 +5582,15 @@
                   <a:schemeClr val="tx1"/>
                 </a:solidFill>
               </a:rPr>
-              <a:t>Plan First Part of Project</a:t>
+              <a:t>Plan </a:t>
+            </a:r>
+            <a:r>
+              <a:rPr lang="en-US" sz="1100" dirty="0" smtClean="0">
+                <a:solidFill>
+                  <a:schemeClr val="tx1"/>
+                </a:solidFill>
+              </a:rPr>
+              <a:t>Project</a:t>
             </a:r>
             <a:endParaRPr lang="en-US" sz="1100" dirty="0">
               <a:solidFill>
@@ -5704,7 +5665,7 @@
         </p:nvSpPr>
         <p:spPr>
           <a:xfrm>
-            <a:off x="3947799" y="3474453"/>
+            <a:off x="3936459" y="3474453"/>
             <a:ext cx="949373" cy="202639"/>
           </a:xfrm>
           <a:prstGeom prst="roundRect">
@@ -5761,8 +5722,8 @@
         </p:nvSpPr>
         <p:spPr>
           <a:xfrm>
-            <a:off x="3986244" y="4241196"/>
-            <a:ext cx="885646" cy="202639"/>
+            <a:off x="3918204" y="4150476"/>
+            <a:ext cx="1003196" cy="202639"/>
           </a:xfrm>
           <a:prstGeom prst="roundRect">
             <a:avLst/>
@@ -5800,7 +5761,7 @@
                   <a:schemeClr val="tx1"/>
                 </a:solidFill>
               </a:rPr>
-              <a:t>Code</a:t>
+              <a:t>Construction</a:t>
             </a:r>
             <a:endParaRPr lang="en-US" sz="1100" dirty="0">
               <a:solidFill>
@@ -5818,7 +5779,7 @@
         </p:nvSpPr>
         <p:spPr>
           <a:xfrm>
-            <a:off x="4033756" y="4959578"/>
+            <a:off x="4033756" y="4698758"/>
             <a:ext cx="790622" cy="202639"/>
           </a:xfrm>
           <a:prstGeom prst="roundRect">
@@ -5878,8 +5839,8 @@
         </p:nvCxnSpPr>
         <p:spPr>
           <a:xfrm>
-            <a:off x="4429067" y="4443835"/>
-            <a:ext cx="0" cy="515743"/>
+            <a:off x="4419802" y="4353115"/>
+            <a:ext cx="9265" cy="345643"/>
           </a:xfrm>
           <a:prstGeom prst="straightConnector1">
             <a:avLst/>
@@ -5915,8 +5876,8 @@
         </p:nvCxnSpPr>
         <p:spPr>
           <a:xfrm>
-            <a:off x="4422486" y="3677092"/>
-            <a:ext cx="6581" cy="564104"/>
+            <a:off x="4411146" y="3677092"/>
+            <a:ext cx="8656" cy="473384"/>
           </a:xfrm>
           <a:prstGeom prst="straightConnector1">
             <a:avLst/>
@@ -5949,7 +5910,7 @@
         </p:nvSpPr>
         <p:spPr>
           <a:xfrm>
-            <a:off x="2438023" y="5681419"/>
+            <a:off x="2438023" y="5465959"/>
             <a:ext cx="889524" cy="342680"/>
           </a:xfrm>
           <a:prstGeom prst="roundRect">
@@ -5998,43 +5959,6 @@
           </a:p>
         </p:txBody>
       </p:sp>
-      <p:cxnSp>
-        <p:nvCxnSpPr>
-          <p:cNvPr id="29" name="Straight Arrow Connector 28"/>
-          <p:cNvCxnSpPr>
-            <a:stCxn id="28" idx="2"/>
-            <a:endCxn id="30" idx="0"/>
-          </p:cNvCxnSpPr>
-          <p:nvPr/>
-        </p:nvCxnSpPr>
-        <p:spPr>
-          <a:xfrm>
-            <a:off x="2882785" y="6024099"/>
-            <a:ext cx="4091" cy="291812"/>
-          </a:xfrm>
-          <a:prstGeom prst="straightConnector1">
-            <a:avLst/>
-          </a:prstGeom>
-          <a:ln>
-            <a:headEnd type="none"/>
-            <a:tailEnd type="triangle"/>
-          </a:ln>
-        </p:spPr>
-        <p:style>
-          <a:lnRef idx="2">
-            <a:schemeClr val="accent1"/>
-          </a:lnRef>
-          <a:fillRef idx="0">
-            <a:schemeClr val="accent1"/>
-          </a:fillRef>
-          <a:effectRef idx="1">
-            <a:schemeClr val="accent1"/>
-          </a:effectRef>
-          <a:fontRef idx="minor">
-            <a:schemeClr val="tx1"/>
-          </a:fontRef>
-        </p:style>
-      </p:cxnSp>
       <p:sp>
         <p:nvSpPr>
           <p:cNvPr id="30" name="Connector 29"/>
@@ -6043,7 +5967,7 @@
         </p:nvSpPr>
         <p:spPr>
           <a:xfrm>
-            <a:off x="2801389" y="6315911"/>
+            <a:off x="2801389" y="6463331"/>
             <a:ext cx="170973" cy="146532"/>
           </a:xfrm>
           <a:prstGeom prst="flowChartConnector">
@@ -6160,11 +6084,13 @@
         </p:nvCxnSpPr>
         <p:spPr>
           <a:xfrm rot="16200000" flipH="1">
-            <a:off x="3419211" y="2471178"/>
-            <a:ext cx="464330" cy="1542219"/>
+            <a:off x="3413541" y="2476848"/>
+            <a:ext cx="464330" cy="1530879"/>
           </a:xfrm>
           <a:prstGeom prst="bentConnector3">
-            <a:avLst/>
+            <a:avLst>
+              <a:gd name="adj1" fmla="val 50000"/>
+            </a:avLst>
           </a:prstGeom>
           <a:ln>
             <a:tailEnd type="triangle"/>
@@ -6196,13 +6122,192 @@
         </p:nvCxnSpPr>
         <p:spPr>
           <a:xfrm rot="5400000">
-            <a:off x="3396325" y="4648677"/>
-            <a:ext cx="519202" cy="1546282"/>
+            <a:off x="3373645" y="4410537"/>
+            <a:ext cx="564562" cy="1546282"/>
           </a:xfrm>
           <a:prstGeom prst="bentConnector3">
             <a:avLst>
               <a:gd name="adj1" fmla="val 50000"/>
             </a:avLst>
+          </a:prstGeom>
+          <a:ln>
+            <a:tailEnd type="triangle"/>
+          </a:ln>
+        </p:spPr>
+        <p:style>
+          <a:lnRef idx="2">
+            <a:schemeClr val="accent1"/>
+          </a:lnRef>
+          <a:fillRef idx="0">
+            <a:schemeClr val="accent1"/>
+          </a:fillRef>
+          <a:effectRef idx="1">
+            <a:schemeClr val="accent1"/>
+          </a:effectRef>
+          <a:fontRef idx="minor">
+            <a:schemeClr val="tx1"/>
+          </a:fontRef>
+        </p:style>
+      </p:cxnSp>
+      <p:sp>
+        <p:nvSpPr>
+          <p:cNvPr id="34" name="Diamond 33"/>
+          <p:cNvSpPr/>
+          <p:nvPr/>
+        </p:nvSpPr>
+        <p:spPr>
+          <a:xfrm>
+            <a:off x="2762135" y="6028925"/>
+            <a:ext cx="241300" cy="212535"/>
+          </a:xfrm>
+          <a:prstGeom prst="diamond">
+            <a:avLst/>
+          </a:prstGeom>
+          <a:noFill/>
+        </p:spPr>
+        <p:style>
+          <a:lnRef idx="1">
+            <a:schemeClr val="accent1"/>
+          </a:lnRef>
+          <a:fillRef idx="3">
+            <a:schemeClr val="accent1"/>
+          </a:fillRef>
+          <a:effectRef idx="2">
+            <a:schemeClr val="accent1"/>
+          </a:effectRef>
+          <a:fontRef idx="minor">
+            <a:schemeClr val="lt1"/>
+          </a:fontRef>
+        </p:style>
+        <p:txBody>
+          <a:bodyPr rtlCol="0" anchor="ctr"/>
+          <a:lstStyle/>
+          <a:p>
+            <a:pPr algn="ctr"/>
+            <a:endParaRPr lang="en-US" dirty="0"/>
+          </a:p>
+        </p:txBody>
+      </p:sp>
+      <p:cxnSp>
+        <p:nvCxnSpPr>
+          <p:cNvPr id="16" name="Straight Arrow Connector 15"/>
+          <p:cNvCxnSpPr>
+            <a:stCxn id="28" idx="2"/>
+            <a:endCxn id="34" idx="0"/>
+          </p:cNvCxnSpPr>
+          <p:nvPr/>
+        </p:nvCxnSpPr>
+        <p:spPr>
+          <a:xfrm>
+            <a:off x="2882785" y="5808639"/>
+            <a:ext cx="0" cy="220286"/>
+          </a:xfrm>
+          <a:prstGeom prst="straightConnector1">
+            <a:avLst/>
+          </a:prstGeom>
+          <a:ln>
+            <a:tailEnd type="triangle"/>
+          </a:ln>
+        </p:spPr>
+        <p:style>
+          <a:lnRef idx="2">
+            <a:schemeClr val="accent1"/>
+          </a:lnRef>
+          <a:fillRef idx="0">
+            <a:schemeClr val="accent1"/>
+          </a:fillRef>
+          <a:effectRef idx="1">
+            <a:schemeClr val="accent1"/>
+          </a:effectRef>
+          <a:fontRef idx="minor">
+            <a:schemeClr val="tx1"/>
+          </a:fontRef>
+        </p:style>
+      </p:cxnSp>
+      <p:cxnSp>
+        <p:nvCxnSpPr>
+          <p:cNvPr id="19" name="Straight Arrow Connector 18"/>
+          <p:cNvCxnSpPr>
+            <a:stCxn id="34" idx="2"/>
+            <a:endCxn id="30" idx="0"/>
+          </p:cNvCxnSpPr>
+          <p:nvPr/>
+        </p:nvCxnSpPr>
+        <p:spPr>
+          <a:xfrm>
+            <a:off x="2882785" y="6241460"/>
+            <a:ext cx="4091" cy="221871"/>
+          </a:xfrm>
+          <a:prstGeom prst="straightConnector1">
+            <a:avLst/>
+          </a:prstGeom>
+          <a:ln>
+            <a:tailEnd type="triangle"/>
+          </a:ln>
+        </p:spPr>
+        <p:style>
+          <a:lnRef idx="2">
+            <a:schemeClr val="accent1"/>
+          </a:lnRef>
+          <a:fillRef idx="0">
+            <a:schemeClr val="accent1"/>
+          </a:fillRef>
+          <a:effectRef idx="1">
+            <a:schemeClr val="accent1"/>
+          </a:effectRef>
+          <a:fontRef idx="minor">
+            <a:schemeClr val="tx1"/>
+          </a:fontRef>
+        </p:style>
+      </p:cxnSp>
+      <p:cxnSp>
+        <p:nvCxnSpPr>
+          <p:cNvPr id="27" name="Elbow Connector 26"/>
+          <p:cNvCxnSpPr>
+            <a:stCxn id="34" idx="3"/>
+          </p:cNvCxnSpPr>
+          <p:nvPr/>
+        </p:nvCxnSpPr>
+        <p:spPr>
+          <a:xfrm flipV="1">
+            <a:off x="3003435" y="850519"/>
+            <a:ext cx="2791120" cy="5284674"/>
+          </a:xfrm>
+          <a:prstGeom prst="bentConnector2">
+            <a:avLst/>
+          </a:prstGeom>
+          <a:ln>
+            <a:tailEnd type="none"/>
+          </a:ln>
+        </p:spPr>
+        <p:style>
+          <a:lnRef idx="2">
+            <a:schemeClr val="accent1"/>
+          </a:lnRef>
+          <a:fillRef idx="0">
+            <a:schemeClr val="accent1"/>
+          </a:fillRef>
+          <a:effectRef idx="1">
+            <a:schemeClr val="accent1"/>
+          </a:effectRef>
+          <a:fontRef idx="minor">
+            <a:schemeClr val="tx1"/>
+          </a:fontRef>
+        </p:style>
+      </p:cxnSp>
+      <p:cxnSp>
+        <p:nvCxnSpPr>
+          <p:cNvPr id="37" name="Straight Arrow Connector 36"/>
+          <p:cNvCxnSpPr/>
+          <p:nvPr/>
+        </p:nvCxnSpPr>
+        <p:spPr>
+          <a:xfrm flipH="1">
+            <a:off x="4429067" y="850519"/>
+            <a:ext cx="1365488" cy="0"/>
+          </a:xfrm>
+          <a:prstGeom prst="straightConnector1">
+            <a:avLst/>
           </a:prstGeom>
           <a:ln>
             <a:tailEnd type="triangle"/>
